--- a/images/theory_analysis/GitOps/GitOps.pptx
+++ b/images/theory_analysis/GitOps/GitOps.pptx
@@ -213,7 +213,7 @@
           <a:p>
             <a:fld id="{6CD5550B-26C4-49A9-A5BA-636EF7BE6CE9}" type="datetimeFigureOut">
               <a:rPr lang="ko-KR" altLang="en-US" smtClean="0"/>
-              <a:t>2020-06-09</a:t>
+              <a:t>2020-06-12</a:t>
             </a:fld>
             <a:endParaRPr lang="ko-KR" altLang="en-US"/>
           </a:p>
@@ -659,7 +659,7 @@
           <a:p>
             <a:fld id="{FB30EDBD-1C2D-4C1E-B459-B60219FAB484}" type="datetimeFigureOut">
               <a:rPr lang="ko-KR" altLang="en-US" smtClean="0"/>
-              <a:t>2020-06-09</a:t>
+              <a:t>2020-06-12</a:t>
             </a:fld>
             <a:endParaRPr lang="ko-KR" altLang="en-US"/>
           </a:p>
@@ -822,7 +822,7 @@
           <a:p>
             <a:fld id="{FB30EDBD-1C2D-4C1E-B459-B60219FAB484}" type="datetimeFigureOut">
               <a:rPr lang="ko-KR" altLang="en-US" smtClean="0"/>
-              <a:t>2020-06-09</a:t>
+              <a:t>2020-06-12</a:t>
             </a:fld>
             <a:endParaRPr lang="ko-KR" altLang="en-US"/>
           </a:p>
@@ -995,7 +995,7 @@
           <a:p>
             <a:fld id="{FB30EDBD-1C2D-4C1E-B459-B60219FAB484}" type="datetimeFigureOut">
               <a:rPr lang="ko-KR" altLang="en-US" smtClean="0"/>
-              <a:t>2020-06-09</a:t>
+              <a:t>2020-06-12</a:t>
             </a:fld>
             <a:endParaRPr lang="ko-KR" altLang="en-US"/>
           </a:p>
@@ -1158,7 +1158,7 @@
           <a:p>
             <a:fld id="{FB30EDBD-1C2D-4C1E-B459-B60219FAB484}" type="datetimeFigureOut">
               <a:rPr lang="ko-KR" altLang="en-US" smtClean="0"/>
-              <a:t>2020-06-09</a:t>
+              <a:t>2020-06-12</a:t>
             </a:fld>
             <a:endParaRPr lang="ko-KR" altLang="en-US"/>
           </a:p>
@@ -1398,7 +1398,7 @@
           <a:p>
             <a:fld id="{FB30EDBD-1C2D-4C1E-B459-B60219FAB484}" type="datetimeFigureOut">
               <a:rPr lang="ko-KR" altLang="en-US" smtClean="0"/>
-              <a:t>2020-06-09</a:t>
+              <a:t>2020-06-12</a:t>
             </a:fld>
             <a:endParaRPr lang="ko-KR" altLang="en-US"/>
           </a:p>
@@ -1678,7 +1678,7 @@
           <a:p>
             <a:fld id="{FB30EDBD-1C2D-4C1E-B459-B60219FAB484}" type="datetimeFigureOut">
               <a:rPr lang="ko-KR" altLang="en-US" smtClean="0"/>
-              <a:t>2020-06-09</a:t>
+              <a:t>2020-06-12</a:t>
             </a:fld>
             <a:endParaRPr lang="ko-KR" altLang="en-US"/>
           </a:p>
@@ -2092,7 +2092,7 @@
           <a:p>
             <a:fld id="{FB30EDBD-1C2D-4C1E-B459-B60219FAB484}" type="datetimeFigureOut">
               <a:rPr lang="ko-KR" altLang="en-US" smtClean="0"/>
-              <a:t>2020-06-09</a:t>
+              <a:t>2020-06-12</a:t>
             </a:fld>
             <a:endParaRPr lang="ko-KR" altLang="en-US"/>
           </a:p>
@@ -2204,7 +2204,7 @@
           <a:p>
             <a:fld id="{FB30EDBD-1C2D-4C1E-B459-B60219FAB484}" type="datetimeFigureOut">
               <a:rPr lang="ko-KR" altLang="en-US" smtClean="0"/>
-              <a:t>2020-06-09</a:t>
+              <a:t>2020-06-12</a:t>
             </a:fld>
             <a:endParaRPr lang="ko-KR" altLang="en-US"/>
           </a:p>
@@ -2294,7 +2294,7 @@
           <a:p>
             <a:fld id="{FB30EDBD-1C2D-4C1E-B459-B60219FAB484}" type="datetimeFigureOut">
               <a:rPr lang="ko-KR" altLang="en-US" smtClean="0"/>
-              <a:t>2020-06-09</a:t>
+              <a:t>2020-06-12</a:t>
             </a:fld>
             <a:endParaRPr lang="ko-KR" altLang="en-US"/>
           </a:p>
@@ -2564,7 +2564,7 @@
           <a:p>
             <a:fld id="{FB30EDBD-1C2D-4C1E-B459-B60219FAB484}" type="datetimeFigureOut">
               <a:rPr lang="ko-KR" altLang="en-US" smtClean="0"/>
-              <a:t>2020-06-09</a:t>
+              <a:t>2020-06-12</a:t>
             </a:fld>
             <a:endParaRPr lang="ko-KR" altLang="en-US"/>
           </a:p>
@@ -2811,7 +2811,7 @@
           <a:p>
             <a:fld id="{FB30EDBD-1C2D-4C1E-B459-B60219FAB484}" type="datetimeFigureOut">
               <a:rPr lang="ko-KR" altLang="en-US" smtClean="0"/>
-              <a:t>2020-06-09</a:t>
+              <a:t>2020-06-12</a:t>
             </a:fld>
             <a:endParaRPr lang="ko-KR" altLang="en-US"/>
           </a:p>
@@ -3017,7 +3017,7 @@
           <a:p>
             <a:fld id="{FB30EDBD-1C2D-4C1E-B459-B60219FAB484}" type="datetimeFigureOut">
               <a:rPr lang="ko-KR" altLang="en-US" smtClean="0"/>
-              <a:t>2020-06-09</a:t>
+              <a:t>2020-06-12</a:t>
             </a:fld>
             <a:endParaRPr lang="ko-KR" altLang="en-US"/>
           </a:p>
@@ -3418,51 +3418,6 @@
           </a:p>
         </p:txBody>
       </p:sp>
-      <p:cxnSp>
-        <p:nvCxnSpPr>
-          <p:cNvPr id="11" name="직선 화살표 연결선 10">
-            <a:extLst>
-              <a:ext uri="{FF2B5EF4-FFF2-40B4-BE49-F238E27FC236}">
-                <a16:creationId xmlns:a16="http://schemas.microsoft.com/office/drawing/2014/main" id="{A20CA4CE-2DF4-42CD-8968-98694C39F3AB}"/>
-              </a:ext>
-            </a:extLst>
-          </p:cNvPr>
-          <p:cNvCxnSpPr>
-            <a:cxnSpLocks/>
-          </p:cNvCxnSpPr>
-          <p:nvPr/>
-        </p:nvCxnSpPr>
-        <p:spPr>
-          <a:xfrm>
-            <a:off x="6660232" y="-536721"/>
-            <a:ext cx="1512168" cy="380578"/>
-          </a:xfrm>
-          <a:prstGeom prst="straightConnector1">
-            <a:avLst/>
-          </a:prstGeom>
-          <a:ln w="28575">
-            <a:solidFill>
-              <a:schemeClr val="tx1"/>
-            </a:solidFill>
-            <a:headEnd type="arrow" w="med" len="med"/>
-            <a:tailEnd type="arrow" w="med" len="med"/>
-          </a:ln>
-        </p:spPr>
-        <p:style>
-          <a:lnRef idx="1">
-            <a:schemeClr val="accent1"/>
-          </a:lnRef>
-          <a:fillRef idx="0">
-            <a:schemeClr val="accent1"/>
-          </a:fillRef>
-          <a:effectRef idx="0">
-            <a:schemeClr val="accent1"/>
-          </a:effectRef>
-          <a:fontRef idx="minor">
-            <a:schemeClr val="tx1"/>
-          </a:fontRef>
-        </p:style>
-      </p:cxnSp>
       <p:sp>
         <p:nvSpPr>
           <p:cNvPr id="75" name="TextBox 74">
